--- a/Quality_Project.pptx
+++ b/Quality_Project.pptx
@@ -6,6 +6,8 @@
   </p:sldMasterIdLst>
   <p:sldIdLst>
     <p:sldId id="256" r:id="rId2"/>
+    <p:sldId id="257" r:id="rId3"/>
+    <p:sldId id="258" r:id="rId4"/>
   </p:sldIdLst>
   <p:sldSz cx="12192000" cy="6858000"/>
   <p:notesSz cx="6858000" cy="9144000"/>
@@ -104,6 +106,11 @@
       </a:defRPr>
     </a:lvl9pPr>
   </p:defaultTextStyle>
+  <p:extLst>
+    <p:ext uri="{EFAFB233-063F-42B5-8137-9DF3F51BA10A}">
+      <p15:sldGuideLst xmlns:p15="http://schemas.microsoft.com/office/powerpoint/2012/main"/>
+    </p:ext>
+  </p:extLst>
 </p:presentation>
 </file>
 
@@ -290,7 +297,7 @@
           </a:lstStyle>
           <a:p>
             <a:r>
-              <a:rPr lang="en-US" smtClean="0"/>
+              <a:rPr lang="en-US"/>
               <a:t>Click to edit Master title style</a:t>
             </a:r>
             <a:endParaRPr lang="en-US" dirty="0"/>
@@ -409,7 +416,7 @@
           </a:lstStyle>
           <a:p>
             <a:r>
-              <a:rPr lang="en-US" smtClean="0"/>
+              <a:rPr lang="en-US"/>
               <a:t>Click to edit Master subtitle style</a:t>
             </a:r>
             <a:endParaRPr lang="en-US" dirty="0"/>
@@ -439,7 +446,7 @@
             <a:fld id="{B61BEF0D-F0BB-DE4B-95CE-6DB70DBA9567}" type="datetimeFigureOut">
               <a:rPr lang="en-US" dirty="0"/>
               <a:pPr/>
-              <a:t>7/15/2013</a:t>
+              <a:t>5/5/2018</a:t>
             </a:fld>
             <a:endParaRPr lang="en-US" dirty="0"/>
           </a:p>
@@ -580,7 +587,7 @@
           </a:lstStyle>
           <a:p>
             <a:r>
-              <a:rPr lang="en-US" smtClean="0"/>
+              <a:rPr lang="en-US"/>
               <a:t>Click to edit Master title style</a:t>
             </a:r>
             <a:endParaRPr lang="en-US" dirty="0"/>
@@ -668,7 +675,7 @@
           </a:lstStyle>
           <a:p>
             <a:r>
-              <a:rPr lang="en-US" smtClean="0"/>
+              <a:rPr lang="en-US"/>
               <a:t>Click icon to add picture</a:t>
             </a:r>
             <a:endParaRPr lang="en-US" dirty="0"/>
@@ -736,7 +743,7 @@
           <a:p>
             <a:pPr lvl="0"/>
             <a:r>
-              <a:rPr lang="en-US" smtClean="0"/>
+              <a:rPr lang="en-US"/>
               <a:t>Click to edit Master text styles</a:t>
             </a:r>
           </a:p>
@@ -760,7 +767,7 @@
             <a:fld id="{B61BEF0D-F0BB-DE4B-95CE-6DB70DBA9567}" type="datetimeFigureOut">
               <a:rPr lang="en-US" dirty="0"/>
               <a:pPr/>
-              <a:t>7/15/2013</a:t>
+              <a:t>5/5/2018</a:t>
             </a:fld>
             <a:endParaRPr lang="en-US" dirty="0"/>
           </a:p>
@@ -861,7 +868,7 @@
           </a:lstStyle>
           <a:p>
             <a:r>
-              <a:rPr lang="en-US" smtClean="0"/>
+              <a:rPr lang="en-US"/>
               <a:t>Click to edit Master title style</a:t>
             </a:r>
             <a:endParaRPr lang="en-US" dirty="0"/>
@@ -981,7 +988,7 @@
           <a:p>
             <a:pPr lvl="0"/>
             <a:r>
-              <a:rPr lang="en-US" smtClean="0"/>
+              <a:rPr lang="en-US"/>
               <a:t>Click to edit Master text styles</a:t>
             </a:r>
           </a:p>
@@ -1005,7 +1012,7 @@
             <a:fld id="{B61BEF0D-F0BB-DE4B-95CE-6DB70DBA9567}" type="datetimeFigureOut">
               <a:rPr lang="en-US" dirty="0"/>
               <a:pPr/>
-              <a:t>7/15/2013</a:t>
+              <a:t>5/5/2018</a:t>
             </a:fld>
             <a:endParaRPr lang="en-US" dirty="0"/>
           </a:p>
@@ -1141,7 +1148,7 @@
           </a:lstStyle>
           <a:p>
             <a:r>
-              <a:rPr lang="en-US" smtClean="0"/>
+              <a:rPr lang="en-US"/>
               <a:t>Click to edit Master title style</a:t>
             </a:r>
             <a:endParaRPr lang="en-US" dirty="0"/>
@@ -1198,7 +1205,7 @@
           <a:p>
             <a:pPr lvl="0"/>
             <a:r>
-              <a:rPr lang="en-US" smtClean="0"/>
+              <a:rPr lang="en-US"/>
               <a:t>Click to edit Master text styles</a:t>
             </a:r>
           </a:p>
@@ -1317,7 +1324,7 @@
           <a:p>
             <a:pPr lvl="0"/>
             <a:r>
-              <a:rPr lang="en-US" smtClean="0"/>
+              <a:rPr lang="en-US"/>
               <a:t>Click to edit Master text styles</a:t>
             </a:r>
           </a:p>
@@ -1341,7 +1348,7 @@
             <a:fld id="{B61BEF0D-F0BB-DE4B-95CE-6DB70DBA9567}" type="datetimeFigureOut">
               <a:rPr lang="en-US" dirty="0"/>
               <a:pPr/>
-              <a:t>7/15/2013</a:t>
+              <a:t>5/5/2018</a:t>
             </a:fld>
             <a:endParaRPr lang="en-US" dirty="0"/>
           </a:p>
@@ -1541,7 +1548,7 @@
           </a:lstStyle>
           <a:p>
             <a:r>
-              <a:rPr lang="en-US" smtClean="0"/>
+              <a:rPr lang="en-US"/>
               <a:t>Click to edit Master title style</a:t>
             </a:r>
             <a:endParaRPr lang="en-US" dirty="0"/>
@@ -1661,7 +1668,7 @@
           <a:p>
             <a:pPr lvl="0"/>
             <a:r>
-              <a:rPr lang="en-US" smtClean="0"/>
+              <a:rPr lang="en-US"/>
               <a:t>Click to edit Master text styles</a:t>
             </a:r>
           </a:p>
@@ -1685,7 +1692,7 @@
             <a:fld id="{B61BEF0D-F0BB-DE4B-95CE-6DB70DBA9567}" type="datetimeFigureOut">
               <a:rPr lang="en-US" dirty="0"/>
               <a:pPr/>
-              <a:t>7/15/2013</a:t>
+              <a:t>5/5/2018</a:t>
             </a:fld>
             <a:endParaRPr lang="en-US" dirty="0"/>
           </a:p>
@@ -1790,7 +1797,7 @@
           </a:lstStyle>
           <a:p>
             <a:r>
-              <a:rPr lang="en-US" smtClean="0"/>
+              <a:rPr lang="en-US"/>
               <a:t>Click to edit Master title style</a:t>
             </a:r>
             <a:endParaRPr lang="en-US" dirty="0"/>
@@ -1913,7 +1920,7 @@
           <a:p>
             <a:pPr lvl="0"/>
             <a:r>
-              <a:rPr lang="en-US" smtClean="0"/>
+              <a:rPr lang="en-US"/>
               <a:t>Click to edit Master text styles</a:t>
             </a:r>
           </a:p>
@@ -2032,7 +2039,7 @@
           <a:p>
             <a:pPr lvl="0"/>
             <a:r>
-              <a:rPr lang="en-US" smtClean="0"/>
+              <a:rPr lang="en-US"/>
               <a:t>Click to edit Master text styles</a:t>
             </a:r>
           </a:p>
@@ -2056,7 +2063,7 @@
             <a:fld id="{B61BEF0D-F0BB-DE4B-95CE-6DB70DBA9567}" type="datetimeFigureOut">
               <a:rPr lang="en-US" dirty="0"/>
               <a:pPr/>
-              <a:t>7/15/2013</a:t>
+              <a:t>5/5/2018</a:t>
             </a:fld>
             <a:endParaRPr lang="en-US" dirty="0"/>
           </a:p>
@@ -2257,7 +2264,7 @@
           <a:p>
             <a:pPr marL="0" lvl="0"/>
             <a:r>
-              <a:rPr lang="en-US" smtClean="0"/>
+              <a:rPr lang="en-US"/>
               <a:t>Click to edit Master title style</a:t>
             </a:r>
             <a:endParaRPr lang="en-US" dirty="0"/>
@@ -2380,7 +2387,7 @@
           <a:p>
             <a:pPr lvl="0"/>
             <a:r>
-              <a:rPr lang="en-US" smtClean="0"/>
+              <a:rPr lang="en-US"/>
               <a:t>Click to edit Master text styles</a:t>
             </a:r>
           </a:p>
@@ -2499,7 +2506,7 @@
           <a:p>
             <a:pPr lvl="0"/>
             <a:r>
-              <a:rPr lang="en-US" smtClean="0"/>
+              <a:rPr lang="en-US"/>
               <a:t>Click to edit Master text styles</a:t>
             </a:r>
           </a:p>
@@ -2523,7 +2530,7 @@
             <a:fld id="{B61BEF0D-F0BB-DE4B-95CE-6DB70DBA9567}" type="datetimeFigureOut">
               <a:rPr lang="en-US" dirty="0"/>
               <a:pPr/>
-              <a:t>7/15/2013</a:t>
+              <a:t>5/5/2018</a:t>
             </a:fld>
             <a:endParaRPr lang="en-US" dirty="0"/>
           </a:p>
@@ -2648,7 +2655,7 @@
           </a:lstStyle>
           <a:p>
             <a:r>
-              <a:rPr lang="en-US" smtClean="0"/>
+              <a:rPr lang="en-US"/>
               <a:t>Click to edit Master title style</a:t>
             </a:r>
             <a:endParaRPr lang="en-US" dirty="0"/>
@@ -2672,35 +2679,35 @@
           <a:p>
             <a:pPr lvl="0"/>
             <a:r>
-              <a:rPr lang="en-US" smtClean="0"/>
+              <a:rPr lang="en-US"/>
               <a:t>Click to edit Master text styles</a:t>
             </a:r>
           </a:p>
           <a:p>
             <a:pPr lvl="1"/>
             <a:r>
-              <a:rPr lang="en-US" smtClean="0"/>
+              <a:rPr lang="en-US"/>
               <a:t>Second level</a:t>
             </a:r>
           </a:p>
           <a:p>
             <a:pPr lvl="2"/>
             <a:r>
-              <a:rPr lang="en-US" smtClean="0"/>
+              <a:rPr lang="en-US"/>
               <a:t>Third level</a:t>
             </a:r>
           </a:p>
           <a:p>
             <a:pPr lvl="3"/>
             <a:r>
-              <a:rPr lang="en-US" smtClean="0"/>
+              <a:rPr lang="en-US"/>
               <a:t>Fourth level</a:t>
             </a:r>
           </a:p>
           <a:p>
             <a:pPr lvl="4"/>
             <a:r>
-              <a:rPr lang="en-US" smtClean="0"/>
+              <a:rPr lang="en-US"/>
               <a:t>Fifth level</a:t>
             </a:r>
             <a:endParaRPr lang="en-US" dirty="0"/>
@@ -2725,7 +2732,7 @@
             <a:fld id="{B61BEF0D-F0BB-DE4B-95CE-6DB70DBA9567}" type="datetimeFigureOut">
               <a:rPr lang="en-US" dirty="0"/>
               <a:pPr/>
-              <a:t>7/15/2013</a:t>
+              <a:t>5/5/2018</a:t>
             </a:fld>
             <a:endParaRPr lang="en-US" dirty="0"/>
           </a:p>
@@ -2851,7 +2858,7 @@
           <a:lstStyle/>
           <a:p>
             <a:r>
-              <a:rPr lang="en-US" smtClean="0"/>
+              <a:rPr lang="en-US"/>
               <a:t>Click to edit Master title style</a:t>
             </a:r>
             <a:endParaRPr lang="en-US" dirty="0"/>
@@ -2880,35 +2887,35 @@
           <a:p>
             <a:pPr lvl="0"/>
             <a:r>
-              <a:rPr lang="en-US" smtClean="0"/>
+              <a:rPr lang="en-US"/>
               <a:t>Click to edit Master text styles</a:t>
             </a:r>
           </a:p>
           <a:p>
             <a:pPr lvl="1"/>
             <a:r>
-              <a:rPr lang="en-US" smtClean="0"/>
+              <a:rPr lang="en-US"/>
               <a:t>Second level</a:t>
             </a:r>
           </a:p>
           <a:p>
             <a:pPr lvl="2"/>
             <a:r>
-              <a:rPr lang="en-US" smtClean="0"/>
+              <a:rPr lang="en-US"/>
               <a:t>Third level</a:t>
             </a:r>
           </a:p>
           <a:p>
             <a:pPr lvl="3"/>
             <a:r>
-              <a:rPr lang="en-US" smtClean="0"/>
+              <a:rPr lang="en-US"/>
               <a:t>Fourth level</a:t>
             </a:r>
           </a:p>
           <a:p>
             <a:pPr lvl="4"/>
             <a:r>
-              <a:rPr lang="en-US" smtClean="0"/>
+              <a:rPr lang="en-US"/>
               <a:t>Fifth level</a:t>
             </a:r>
             <a:endParaRPr lang="en-US" dirty="0"/>
@@ -2933,7 +2940,7 @@
             <a:fld id="{B61BEF0D-F0BB-DE4B-95CE-6DB70DBA9567}" type="datetimeFigureOut">
               <a:rPr lang="en-US" dirty="0"/>
               <a:pPr/>
-              <a:t>7/15/2013</a:t>
+              <a:t>5/5/2018</a:t>
             </a:fld>
             <a:endParaRPr lang="en-US" dirty="0"/>
           </a:p>
@@ -3085,7 +3092,7 @@
           <a:lstStyle/>
           <a:p>
             <a:r>
-              <a:rPr lang="en-US" smtClean="0"/>
+              <a:rPr lang="en-US"/>
               <a:t>Click to edit Master title style</a:t>
             </a:r>
             <a:endParaRPr lang="en-US" dirty="0"/>
@@ -3109,35 +3116,35 @@
           <a:p>
             <a:pPr lvl="0"/>
             <a:r>
-              <a:rPr lang="en-US" smtClean="0"/>
+              <a:rPr lang="en-US"/>
               <a:t>Click to edit Master text styles</a:t>
             </a:r>
           </a:p>
           <a:p>
             <a:pPr lvl="1"/>
             <a:r>
-              <a:rPr lang="en-US" smtClean="0"/>
+              <a:rPr lang="en-US"/>
               <a:t>Second level</a:t>
             </a:r>
           </a:p>
           <a:p>
             <a:pPr lvl="2"/>
             <a:r>
-              <a:rPr lang="en-US" smtClean="0"/>
+              <a:rPr lang="en-US"/>
               <a:t>Third level</a:t>
             </a:r>
           </a:p>
           <a:p>
             <a:pPr lvl="3"/>
             <a:r>
-              <a:rPr lang="en-US" smtClean="0"/>
+              <a:rPr lang="en-US"/>
               <a:t>Fourth level</a:t>
             </a:r>
           </a:p>
           <a:p>
             <a:pPr lvl="4"/>
             <a:r>
-              <a:rPr lang="en-US" smtClean="0"/>
+              <a:rPr lang="en-US"/>
               <a:t>Fifth level</a:t>
             </a:r>
             <a:endParaRPr lang="en-US" dirty="0"/>
@@ -3161,7 +3168,7 @@
           <a:p>
             <a:fld id="{05BFA754-D5C3-4E66-96A6-867B257F58DC}" type="datetimeFigureOut">
               <a:rPr lang="en-US" dirty="0"/>
-              <a:t>7/15/2013</a:t>
+              <a:t>5/5/2018</a:t>
             </a:fld>
             <a:endParaRPr lang="en-US" dirty="0"/>
           </a:p>
@@ -3261,7 +3268,7 @@
           </a:lstStyle>
           <a:p>
             <a:r>
-              <a:rPr lang="en-US" smtClean="0"/>
+              <a:rPr lang="en-US"/>
               <a:t>Click to edit Master title style</a:t>
             </a:r>
             <a:endParaRPr lang="en-US" dirty="0"/>
@@ -3381,7 +3388,7 @@
           <a:p>
             <a:pPr lvl="0"/>
             <a:r>
-              <a:rPr lang="en-US" smtClean="0"/>
+              <a:rPr lang="en-US"/>
               <a:t>Click to edit Master text styles</a:t>
             </a:r>
           </a:p>
@@ -3405,7 +3412,7 @@
             <a:fld id="{B61BEF0D-F0BB-DE4B-95CE-6DB70DBA9567}" type="datetimeFigureOut">
               <a:rPr lang="en-US" dirty="0"/>
               <a:pPr/>
-              <a:t>7/15/2013</a:t>
+              <a:t>5/5/2018</a:t>
             </a:fld>
             <a:endParaRPr lang="en-US" dirty="0"/>
           </a:p>
@@ -3526,7 +3533,7 @@
           <a:lstStyle/>
           <a:p>
             <a:r>
-              <a:rPr lang="en-US" smtClean="0"/>
+              <a:rPr lang="en-US"/>
               <a:t>Click to edit Master title style</a:t>
             </a:r>
             <a:endParaRPr lang="en-US" dirty="0"/>
@@ -3557,35 +3564,35 @@
           <a:p>
             <a:pPr lvl="0"/>
             <a:r>
-              <a:rPr lang="en-US" smtClean="0"/>
+              <a:rPr lang="en-US"/>
               <a:t>Click to edit Master text styles</a:t>
             </a:r>
           </a:p>
           <a:p>
             <a:pPr lvl="1"/>
             <a:r>
-              <a:rPr lang="en-US" smtClean="0"/>
+              <a:rPr lang="en-US"/>
               <a:t>Second level</a:t>
             </a:r>
           </a:p>
           <a:p>
             <a:pPr lvl="2"/>
             <a:r>
-              <a:rPr lang="en-US" smtClean="0"/>
+              <a:rPr lang="en-US"/>
               <a:t>Third level</a:t>
             </a:r>
           </a:p>
           <a:p>
             <a:pPr lvl="3"/>
             <a:r>
-              <a:rPr lang="en-US" smtClean="0"/>
+              <a:rPr lang="en-US"/>
               <a:t>Fourth level</a:t>
             </a:r>
           </a:p>
           <a:p>
             <a:pPr lvl="4"/>
             <a:r>
-              <a:rPr lang="en-US" smtClean="0"/>
+              <a:rPr lang="en-US"/>
               <a:t>Fifth level</a:t>
             </a:r>
             <a:endParaRPr lang="en-US" dirty="0"/>
@@ -3616,35 +3623,35 @@
           <a:p>
             <a:pPr lvl="0"/>
             <a:r>
-              <a:rPr lang="en-US" smtClean="0"/>
+              <a:rPr lang="en-US"/>
               <a:t>Click to edit Master text styles</a:t>
             </a:r>
           </a:p>
           <a:p>
             <a:pPr lvl="1"/>
             <a:r>
-              <a:rPr lang="en-US" smtClean="0"/>
+              <a:rPr lang="en-US"/>
               <a:t>Second level</a:t>
             </a:r>
           </a:p>
           <a:p>
             <a:pPr lvl="2"/>
             <a:r>
-              <a:rPr lang="en-US" smtClean="0"/>
+              <a:rPr lang="en-US"/>
               <a:t>Third level</a:t>
             </a:r>
           </a:p>
           <a:p>
             <a:pPr lvl="3"/>
             <a:r>
-              <a:rPr lang="en-US" smtClean="0"/>
+              <a:rPr lang="en-US"/>
               <a:t>Fourth level</a:t>
             </a:r>
           </a:p>
           <a:p>
             <a:pPr lvl="4"/>
             <a:r>
-              <a:rPr lang="en-US" smtClean="0"/>
+              <a:rPr lang="en-US"/>
               <a:t>Fifth level</a:t>
             </a:r>
             <a:endParaRPr lang="en-US" dirty="0"/>
@@ -3668,7 +3675,7 @@
           <a:p>
             <a:fld id="{05BFA754-D5C3-4E66-96A6-867B257F58DC}" type="datetimeFigureOut">
               <a:rPr lang="en-US" dirty="0"/>
-              <a:t>7/15/2013</a:t>
+              <a:t>5/5/2018</a:t>
             </a:fld>
             <a:endParaRPr lang="en-US" dirty="0"/>
           </a:p>
@@ -3792,7 +3799,7 @@
           </a:lstStyle>
           <a:p>
             <a:r>
-              <a:rPr lang="en-US" smtClean="0"/>
+              <a:rPr lang="en-US"/>
               <a:t>Click to edit Master title style</a:t>
             </a:r>
             <a:endParaRPr lang="en-US" dirty="0"/>
@@ -3864,7 +3871,7 @@
           <a:p>
             <a:pPr lvl="0"/>
             <a:r>
-              <a:rPr lang="en-US" smtClean="0"/>
+              <a:rPr lang="en-US"/>
               <a:t>Click to edit Master text styles</a:t>
             </a:r>
           </a:p>
@@ -3894,35 +3901,35 @@
           <a:p>
             <a:pPr lvl="0"/>
             <a:r>
-              <a:rPr lang="en-US" smtClean="0"/>
+              <a:rPr lang="en-US"/>
               <a:t>Click to edit Master text styles</a:t>
             </a:r>
           </a:p>
           <a:p>
             <a:pPr lvl="1"/>
             <a:r>
-              <a:rPr lang="en-US" smtClean="0"/>
+              <a:rPr lang="en-US"/>
               <a:t>Second level</a:t>
             </a:r>
           </a:p>
           <a:p>
             <a:pPr lvl="2"/>
             <a:r>
-              <a:rPr lang="en-US" smtClean="0"/>
+              <a:rPr lang="en-US"/>
               <a:t>Third level</a:t>
             </a:r>
           </a:p>
           <a:p>
             <a:pPr lvl="3"/>
             <a:r>
-              <a:rPr lang="en-US" smtClean="0"/>
+              <a:rPr lang="en-US"/>
               <a:t>Fourth level</a:t>
             </a:r>
           </a:p>
           <a:p>
             <a:pPr lvl="4"/>
             <a:r>
-              <a:rPr lang="en-US" smtClean="0"/>
+              <a:rPr lang="en-US"/>
               <a:t>Fifth level</a:t>
             </a:r>
             <a:endParaRPr lang="en-US" dirty="0"/>
@@ -3994,7 +4001,7 @@
           <a:p>
             <a:pPr lvl="0"/>
             <a:r>
-              <a:rPr lang="en-US" smtClean="0"/>
+              <a:rPr lang="en-US"/>
               <a:t>Click to edit Master text styles</a:t>
             </a:r>
           </a:p>
@@ -4024,35 +4031,35 @@
           <a:p>
             <a:pPr lvl="0"/>
             <a:r>
-              <a:rPr lang="en-US" smtClean="0"/>
+              <a:rPr lang="en-US"/>
               <a:t>Click to edit Master text styles</a:t>
             </a:r>
           </a:p>
           <a:p>
             <a:pPr lvl="1"/>
             <a:r>
-              <a:rPr lang="en-US" smtClean="0"/>
+              <a:rPr lang="en-US"/>
               <a:t>Second level</a:t>
             </a:r>
           </a:p>
           <a:p>
             <a:pPr lvl="2"/>
             <a:r>
-              <a:rPr lang="en-US" smtClean="0"/>
+              <a:rPr lang="en-US"/>
               <a:t>Third level</a:t>
             </a:r>
           </a:p>
           <a:p>
             <a:pPr lvl="3"/>
             <a:r>
-              <a:rPr lang="en-US" smtClean="0"/>
+              <a:rPr lang="en-US"/>
               <a:t>Fourth level</a:t>
             </a:r>
           </a:p>
           <a:p>
             <a:pPr lvl="4"/>
             <a:r>
-              <a:rPr lang="en-US" smtClean="0"/>
+              <a:rPr lang="en-US"/>
               <a:t>Fifth level</a:t>
             </a:r>
             <a:endParaRPr lang="en-US" dirty="0"/>
@@ -4077,7 +4084,7 @@
             <a:fld id="{B61BEF0D-F0BB-DE4B-95CE-6DB70DBA9567}" type="datetimeFigureOut">
               <a:rPr lang="en-US" dirty="0"/>
               <a:pPr/>
-              <a:t>7/15/2013</a:t>
+              <a:t>5/5/2018</a:t>
             </a:fld>
             <a:endParaRPr lang="en-US" dirty="0"/>
           </a:p>
@@ -4198,7 +4205,7 @@
           <a:lstStyle/>
           <a:p>
             <a:r>
-              <a:rPr lang="en-US" smtClean="0"/>
+              <a:rPr lang="en-US"/>
               <a:t>Click to edit Master title style</a:t>
             </a:r>
             <a:endParaRPr lang="en-US" dirty="0"/>
@@ -4223,7 +4230,7 @@
             <a:fld id="{B61BEF0D-F0BB-DE4B-95CE-6DB70DBA9567}" type="datetimeFigureOut">
               <a:rPr lang="en-US" dirty="0"/>
               <a:pPr/>
-              <a:t>7/15/2013</a:t>
+              <a:t>5/5/2018</a:t>
             </a:fld>
             <a:endParaRPr lang="en-US" dirty="0"/>
           </a:p>
@@ -4346,7 +4353,7 @@
             <a:fld id="{B61BEF0D-F0BB-DE4B-95CE-6DB70DBA9567}" type="datetimeFigureOut">
               <a:rPr lang="en-US" dirty="0"/>
               <a:pPr/>
-              <a:t>7/15/2013</a:t>
+              <a:t>5/5/2018</a:t>
             </a:fld>
             <a:endParaRPr lang="en-US" dirty="0"/>
           </a:p>
@@ -4447,7 +4454,7 @@
           </a:lstStyle>
           <a:p>
             <a:r>
-              <a:rPr lang="en-US" smtClean="0"/>
+              <a:rPr lang="en-US"/>
               <a:t>Click to edit Master title style</a:t>
             </a:r>
             <a:endParaRPr lang="en-US" dirty="0"/>
@@ -4478,35 +4485,35 @@
           <a:p>
             <a:pPr lvl="0"/>
             <a:r>
-              <a:rPr lang="en-US" smtClean="0"/>
+              <a:rPr lang="en-US"/>
               <a:t>Click to edit Master text styles</a:t>
             </a:r>
           </a:p>
           <a:p>
             <a:pPr lvl="1"/>
             <a:r>
-              <a:rPr lang="en-US" smtClean="0"/>
+              <a:rPr lang="en-US"/>
               <a:t>Second level</a:t>
             </a:r>
           </a:p>
           <a:p>
             <a:pPr lvl="2"/>
             <a:r>
-              <a:rPr lang="en-US" smtClean="0"/>
+              <a:rPr lang="en-US"/>
               <a:t>Third level</a:t>
             </a:r>
           </a:p>
           <a:p>
             <a:pPr lvl="3"/>
             <a:r>
-              <a:rPr lang="en-US" smtClean="0"/>
+              <a:rPr lang="en-US"/>
               <a:t>Fourth level</a:t>
             </a:r>
           </a:p>
           <a:p>
             <a:pPr lvl="4"/>
             <a:r>
-              <a:rPr lang="en-US" smtClean="0"/>
+              <a:rPr lang="en-US"/>
               <a:t>Fifth level</a:t>
             </a:r>
             <a:endParaRPr lang="en-US" dirty="0"/>
@@ -4574,7 +4581,7 @@
           <a:p>
             <a:pPr lvl="0"/>
             <a:r>
-              <a:rPr lang="en-US" smtClean="0"/>
+              <a:rPr lang="en-US"/>
               <a:t>Click to edit Master text styles</a:t>
             </a:r>
           </a:p>
@@ -4598,7 +4605,7 @@
             <a:fld id="{B61BEF0D-F0BB-DE4B-95CE-6DB70DBA9567}" type="datetimeFigureOut">
               <a:rPr lang="en-US" dirty="0"/>
               <a:pPr/>
-              <a:t>7/15/2013</a:t>
+              <a:t>5/5/2018</a:t>
             </a:fld>
             <a:endParaRPr lang="en-US" dirty="0"/>
           </a:p>
@@ -4730,7 +4737,7 @@
           </a:lstStyle>
           <a:p>
             <a:r>
-              <a:rPr lang="en-US" smtClean="0"/>
+              <a:rPr lang="en-US"/>
               <a:t>Click to edit Master title style</a:t>
             </a:r>
             <a:endParaRPr lang="en-US" dirty="0"/>
@@ -4818,7 +4825,7 @@
           </a:lstStyle>
           <a:p>
             <a:r>
-              <a:rPr lang="en-US" smtClean="0"/>
+              <a:rPr lang="en-US"/>
               <a:t>Click icon to add picture</a:t>
             </a:r>
             <a:endParaRPr lang="en-US" dirty="0"/>
@@ -4886,7 +4893,7 @@
           <a:p>
             <a:pPr lvl="0"/>
             <a:r>
-              <a:rPr lang="en-US" smtClean="0"/>
+              <a:rPr lang="en-US"/>
               <a:t>Click to edit Master text styles</a:t>
             </a:r>
           </a:p>
@@ -4910,7 +4917,7 @@
             <a:fld id="{B61BEF0D-F0BB-DE4B-95CE-6DB70DBA9567}" type="datetimeFigureOut">
               <a:rPr lang="en-US" dirty="0"/>
               <a:pPr/>
-              <a:t>7/15/2013</a:t>
+              <a:t>5/5/2018</a:t>
             </a:fld>
             <a:endParaRPr lang="en-US" dirty="0"/>
           </a:p>
@@ -5153,7 +5160,7 @@
           <a:lstStyle/>
           <a:p>
             <a:r>
-              <a:rPr lang="en-US" smtClean="0"/>
+              <a:rPr lang="en-US"/>
               <a:t>Click to edit Master title style</a:t>
             </a:r>
             <a:endParaRPr lang="en-US" dirty="0"/>
@@ -5187,35 +5194,35 @@
           <a:p>
             <a:pPr lvl="0"/>
             <a:r>
-              <a:rPr lang="en-US" smtClean="0"/>
+              <a:rPr lang="en-US"/>
               <a:t>Click to edit Master text styles</a:t>
             </a:r>
           </a:p>
           <a:p>
             <a:pPr lvl="1"/>
             <a:r>
-              <a:rPr lang="en-US" smtClean="0"/>
+              <a:rPr lang="en-US"/>
               <a:t>Second level</a:t>
             </a:r>
           </a:p>
           <a:p>
             <a:pPr lvl="2"/>
             <a:r>
-              <a:rPr lang="en-US" smtClean="0"/>
+              <a:rPr lang="en-US"/>
               <a:t>Third level</a:t>
             </a:r>
           </a:p>
           <a:p>
             <a:pPr lvl="3"/>
             <a:r>
-              <a:rPr lang="en-US" smtClean="0"/>
+              <a:rPr lang="en-US"/>
               <a:t>Fourth level</a:t>
             </a:r>
           </a:p>
           <a:p>
             <a:pPr lvl="4"/>
             <a:r>
-              <a:rPr lang="en-US" smtClean="0"/>
+              <a:rPr lang="en-US"/>
               <a:t>Fifth level</a:t>
             </a:r>
             <a:endParaRPr lang="en-US" dirty="0"/>
@@ -5258,7 +5265,7 @@
             <a:fld id="{B61BEF0D-F0BB-DE4B-95CE-6DB70DBA9567}" type="datetimeFigureOut">
               <a:rPr lang="en-US" dirty="0"/>
               <a:pPr/>
-              <a:t>7/15/2013</a:t>
+              <a:t>5/5/2018</a:t>
             </a:fld>
             <a:endParaRPr lang="en-US" dirty="0"/>
           </a:p>
@@ -5812,7 +5819,10 @@
           <a:bodyPr/>
           <a:lstStyle/>
           <a:p>
-            <a:endParaRPr lang="en-US"/>
+            <a:r>
+              <a:rPr lang="en-US" dirty="0"/>
+              <a:t>Aspect Based Sentiment Analysis </a:t>
+            </a:r>
           </a:p>
         </p:txBody>
       </p:sp>
@@ -5828,10 +5838,62 @@
         </p:nvSpPr>
         <p:spPr/>
         <p:txBody>
-          <a:bodyPr/>
-          <a:lstStyle/>
-          <a:p>
-            <a:endParaRPr lang="en-US"/>
+          <a:bodyPr>
+            <a:normAutofit fontScale="32500" lnSpcReduction="20000"/>
+          </a:bodyPr>
+          <a:lstStyle/>
+          <a:p>
+            <a:r>
+              <a:rPr lang="en-US" sz="4300" dirty="0"/>
+              <a:t>A study on crowdsourced game reviews</a:t>
+            </a:r>
+          </a:p>
+          <a:p>
+            <a:pPr algn="l"/>
+            <a:r>
+              <a:rPr lang="en-US" sz="3600" dirty="0"/>
+              <a:t>				  								 Hiten Gupta</a:t>
+            </a:r>
+          </a:p>
+          <a:p>
+            <a:pPr algn="l"/>
+            <a:r>
+              <a:rPr lang="en-US" sz="3600" dirty="0"/>
+              <a:t>							      					 </a:t>
+            </a:r>
+            <a:r>
+              <a:rPr lang="en-US" sz="3600" dirty="0" err="1"/>
+              <a:t>Raseshwari</a:t>
+            </a:r>
+            <a:r>
+              <a:rPr lang="en-US" sz="3600" dirty="0"/>
+              <a:t> </a:t>
+            </a:r>
+            <a:r>
+              <a:rPr lang="en-US" sz="3600" dirty="0" err="1"/>
+              <a:t>Pulle</a:t>
+            </a:r>
+            <a:endParaRPr lang="en-US" sz="3600" dirty="0"/>
+          </a:p>
+          <a:p>
+            <a:pPr algn="l"/>
+            <a:r>
+              <a:rPr lang="en-US" sz="3600" dirty="0"/>
+              <a:t>					                                   					 Sultan </a:t>
+            </a:r>
+            <a:r>
+              <a:rPr lang="en-US" sz="3600" dirty="0" err="1"/>
+              <a:t>mira</a:t>
+            </a:r>
+            <a:endParaRPr lang="en-US" sz="3600" dirty="0"/>
+          </a:p>
+          <a:p>
+            <a:pPr algn="l"/>
+            <a:r>
+              <a:rPr lang="en-US" sz="3600" dirty="0"/>
+              <a:t>							   					 Prakhar Rawat</a:t>
+            </a:r>
+            <a:endParaRPr lang="en-US" dirty="0"/>
           </a:p>
         </p:txBody>
       </p:sp>
@@ -5839,6 +5901,216 @@
     <p:extLst>
       <p:ext uri="{BB962C8B-B14F-4D97-AF65-F5344CB8AC3E}">
         <p14:creationId xmlns:p14="http://schemas.microsoft.com/office/powerpoint/2010/main" val="2726069975"/>
+      </p:ext>
+    </p:extLst>
+  </p:cSld>
+  <p:clrMapOvr>
+    <a:masterClrMapping/>
+  </p:clrMapOvr>
+</p:sld>
+</file>
+
+<file path=ppt/slides/slide2.xml><?xml version="1.0" encoding="utf-8"?>
+<p:sld xmlns:a="http://schemas.openxmlformats.org/drawingml/2006/main" xmlns:r="http://schemas.openxmlformats.org/officeDocument/2006/relationships" xmlns:p="http://schemas.openxmlformats.org/presentationml/2006/main">
+  <p:cSld>
+    <p:spTree>
+      <p:nvGrpSpPr>
+        <p:cNvPr id="1" name=""/>
+        <p:cNvGrpSpPr/>
+        <p:nvPr/>
+      </p:nvGrpSpPr>
+      <p:grpSpPr>
+        <a:xfrm>
+          <a:off x="0" y="0"/>
+          <a:ext cx="0" cy="0"/>
+          <a:chOff x="0" y="0"/>
+          <a:chExt cx="0" cy="0"/>
+        </a:xfrm>
+      </p:grpSpPr>
+      <p:sp>
+        <p:nvSpPr>
+          <p:cNvPr id="2" name="Title 1">
+            <a:extLst>
+              <a:ext uri="{FF2B5EF4-FFF2-40B4-BE49-F238E27FC236}">
+                <a16:creationId xmlns:a16="http://schemas.microsoft.com/office/drawing/2014/main" id="{2AD5122A-A124-43CC-953F-F21CE65332C3}"/>
+              </a:ext>
+            </a:extLst>
+          </p:cNvPr>
+          <p:cNvSpPr>
+            <a:spLocks noGrp="1"/>
+          </p:cNvSpPr>
+          <p:nvPr>
+            <p:ph type="title"/>
+          </p:nvPr>
+        </p:nvSpPr>
+        <p:spPr/>
+        <p:txBody>
+          <a:bodyPr/>
+          <a:lstStyle/>
+          <a:p>
+            <a:r>
+              <a:rPr lang="en-US" dirty="0"/>
+              <a:t>Overviews</a:t>
+            </a:r>
+          </a:p>
+        </p:txBody>
+      </p:sp>
+      <p:sp>
+        <p:nvSpPr>
+          <p:cNvPr id="3" name="Content Placeholder 2">
+            <a:extLst>
+              <a:ext uri="{FF2B5EF4-FFF2-40B4-BE49-F238E27FC236}">
+                <a16:creationId xmlns:a16="http://schemas.microsoft.com/office/drawing/2014/main" id="{CCA4B1FB-D2B6-4F97-A3FA-BAC84AB57F55}"/>
+              </a:ext>
+            </a:extLst>
+          </p:cNvPr>
+          <p:cNvSpPr>
+            <a:spLocks noGrp="1"/>
+          </p:cNvSpPr>
+          <p:nvPr>
+            <p:ph idx="1"/>
+          </p:nvPr>
+        </p:nvSpPr>
+        <p:spPr/>
+        <p:txBody>
+          <a:bodyPr>
+            <a:normAutofit fontScale="92500" lnSpcReduction="10000"/>
+          </a:bodyPr>
+          <a:lstStyle/>
+          <a:p>
+            <a:r>
+              <a:rPr lang="en-US" dirty="0"/>
+              <a:t>Motivation</a:t>
+            </a:r>
+          </a:p>
+          <a:p>
+            <a:r>
+              <a:rPr lang="en-US" dirty="0"/>
+              <a:t>Context</a:t>
+            </a:r>
+          </a:p>
+          <a:p>
+            <a:r>
+              <a:rPr lang="en-US" dirty="0"/>
+              <a:t>Approach</a:t>
+            </a:r>
+          </a:p>
+          <a:p>
+            <a:r>
+              <a:rPr lang="en-US" dirty="0"/>
+              <a:t>Experimental Setup</a:t>
+            </a:r>
+          </a:p>
+          <a:p>
+            <a:r>
+              <a:rPr lang="en-US" dirty="0"/>
+              <a:t>Results</a:t>
+            </a:r>
+          </a:p>
+          <a:p>
+            <a:r>
+              <a:rPr lang="en-US" dirty="0"/>
+              <a:t>Validation</a:t>
+            </a:r>
+          </a:p>
+          <a:p>
+            <a:r>
+              <a:rPr lang="en-US" dirty="0"/>
+              <a:t>Threats to validity</a:t>
+            </a:r>
+          </a:p>
+          <a:p>
+            <a:endParaRPr lang="en-US" dirty="0"/>
+          </a:p>
+        </p:txBody>
+      </p:sp>
+    </p:spTree>
+    <p:extLst>
+      <p:ext uri="{BB962C8B-B14F-4D97-AF65-F5344CB8AC3E}">
+        <p14:creationId xmlns:p14="http://schemas.microsoft.com/office/powerpoint/2010/main" val="2554288978"/>
+      </p:ext>
+    </p:extLst>
+  </p:cSld>
+  <p:clrMapOvr>
+    <a:masterClrMapping/>
+  </p:clrMapOvr>
+</p:sld>
+</file>
+
+<file path=ppt/slides/slide3.xml><?xml version="1.0" encoding="utf-8"?>
+<p:sld xmlns:a="http://schemas.openxmlformats.org/drawingml/2006/main" xmlns:r="http://schemas.openxmlformats.org/officeDocument/2006/relationships" xmlns:p="http://schemas.openxmlformats.org/presentationml/2006/main">
+  <p:cSld>
+    <p:spTree>
+      <p:nvGrpSpPr>
+        <p:cNvPr id="1" name=""/>
+        <p:cNvGrpSpPr/>
+        <p:nvPr/>
+      </p:nvGrpSpPr>
+      <p:grpSpPr>
+        <a:xfrm>
+          <a:off x="0" y="0"/>
+          <a:ext cx="0" cy="0"/>
+          <a:chOff x="0" y="0"/>
+          <a:chExt cx="0" cy="0"/>
+        </a:xfrm>
+      </p:grpSpPr>
+      <p:sp>
+        <p:nvSpPr>
+          <p:cNvPr id="2" name="Title 1">
+            <a:extLst>
+              <a:ext uri="{FF2B5EF4-FFF2-40B4-BE49-F238E27FC236}">
+                <a16:creationId xmlns:a16="http://schemas.microsoft.com/office/drawing/2014/main" id="{674F968A-CE48-4354-B41F-DE8932F5C828}"/>
+              </a:ext>
+            </a:extLst>
+          </p:cNvPr>
+          <p:cNvSpPr>
+            <a:spLocks noGrp="1"/>
+          </p:cNvSpPr>
+          <p:nvPr>
+            <p:ph type="title"/>
+          </p:nvPr>
+        </p:nvSpPr>
+        <p:spPr/>
+        <p:txBody>
+          <a:bodyPr/>
+          <a:lstStyle/>
+          <a:p>
+            <a:r>
+              <a:rPr lang="en-US" dirty="0"/>
+              <a:t>Motivation</a:t>
+            </a:r>
+          </a:p>
+        </p:txBody>
+      </p:sp>
+      <p:sp>
+        <p:nvSpPr>
+          <p:cNvPr id="3" name="Content Placeholder 2">
+            <a:extLst>
+              <a:ext uri="{FF2B5EF4-FFF2-40B4-BE49-F238E27FC236}">
+                <a16:creationId xmlns:a16="http://schemas.microsoft.com/office/drawing/2014/main" id="{BF77DA59-EC69-4D8B-88E7-FFE6D6FA1ABC}"/>
+              </a:ext>
+            </a:extLst>
+          </p:cNvPr>
+          <p:cNvSpPr>
+            <a:spLocks noGrp="1"/>
+          </p:cNvSpPr>
+          <p:nvPr>
+            <p:ph idx="1"/>
+          </p:nvPr>
+        </p:nvSpPr>
+        <p:spPr/>
+        <p:txBody>
+          <a:bodyPr/>
+          <a:lstStyle/>
+          <a:p>
+            <a:endParaRPr lang="en-US" dirty="0"/>
+          </a:p>
+        </p:txBody>
+      </p:sp>
+    </p:spTree>
+    <p:extLst>
+      <p:ext uri="{BB962C8B-B14F-4D97-AF65-F5344CB8AC3E}">
+        <p14:creationId xmlns:p14="http://schemas.microsoft.com/office/powerpoint/2010/main" val="2130024664"/>
       </p:ext>
     </p:extLst>
   </p:cSld>
